--- a/Digital-Wellbeing (1).pptx
+++ b/Digital-Wellbeing (1).pptx
@@ -17,7 +17,6 @@
     <p:sldId id="266" r:id="rId11"/>
     <p:sldId id="267" r:id="rId12"/>
     <p:sldId id="268" r:id="rId13"/>
-    <p:sldId id="269" r:id="rId14"/>
   </p:sldIdLst>
   <p:sldSz cx="12192000" cy="6858000"/>
   <p:notesSz cx="6858000" cy="9144000"/>
@@ -6079,14 +6078,7 @@
                 <a:latin typeface="Times New Roman" panose="02020603050405020304" pitchFamily="18" charset="0"/>
                 <a:cs typeface="Times New Roman" panose="02020603050405020304" pitchFamily="18" charset="0"/>
               </a:rPr>
-              <a:t>Health Ministry </a:t>
-            </a:r>
-            <a:r>
-              <a:rPr lang="en-US" dirty="0" smtClean="0">
-                <a:latin typeface="Times New Roman" panose="02020603050405020304" pitchFamily="18" charset="0"/>
-                <a:cs typeface="Times New Roman" panose="02020603050405020304" pitchFamily="18" charset="0"/>
-              </a:rPr>
-              <a:t>get </a:t>
+              <a:t>Health Ministry get </a:t>
             </a:r>
             <a:r>
               <a:rPr lang="en-US" dirty="0">
@@ -6106,14 +6098,7 @@
                 <a:latin typeface="Times New Roman" panose="02020603050405020304" pitchFamily="18" charset="0"/>
                 <a:cs typeface="Times New Roman" panose="02020603050405020304" pitchFamily="18" charset="0"/>
               </a:rPr>
-              <a:t>Easier </a:t>
-            </a:r>
-            <a:r>
-              <a:rPr lang="en-US" dirty="0" smtClean="0">
-                <a:latin typeface="Times New Roman" panose="02020603050405020304" pitchFamily="18" charset="0"/>
-                <a:cs typeface="Times New Roman" panose="02020603050405020304" pitchFamily="18" charset="0"/>
-              </a:rPr>
-              <a:t>to </a:t>
+              <a:t>Easier to </a:t>
             </a:r>
             <a:r>
               <a:rPr lang="en-US" dirty="0">
@@ -6140,21 +6125,28 @@
                 <a:latin typeface="Times New Roman" panose="02020603050405020304" pitchFamily="18" charset="0"/>
                 <a:cs typeface="Times New Roman" panose="02020603050405020304" pitchFamily="18" charset="0"/>
               </a:rPr>
-              <a:t>90</a:t>
+              <a:t>80</a:t>
             </a:r>
             <a:r>
               <a:rPr lang="en-US" dirty="0" smtClean="0">
                 <a:latin typeface="Times New Roman" panose="02020603050405020304" pitchFamily="18" charset="0"/>
                 <a:cs typeface="Times New Roman" panose="02020603050405020304" pitchFamily="18" charset="0"/>
               </a:rPr>
-              <a:t>% of users will send their health reports and relatives through the </a:t>
+              <a:t>% of users will send their health </a:t>
             </a:r>
             <a:r>
               <a:rPr lang="en-US" dirty="0" smtClean="0">
                 <a:latin typeface="Times New Roman" panose="02020603050405020304" pitchFamily="18" charset="0"/>
                 <a:cs typeface="Times New Roman" panose="02020603050405020304" pitchFamily="18" charset="0"/>
               </a:rPr>
-              <a:t>app</a:t>
+              <a:t>reports </a:t>
+            </a:r>
+            <a:r>
+              <a:rPr lang="en-US" dirty="0" smtClean="0">
+                <a:latin typeface="Times New Roman" panose="02020603050405020304" pitchFamily="18" charset="0"/>
+                <a:cs typeface="Times New Roman" panose="02020603050405020304" pitchFamily="18" charset="0"/>
+              </a:rPr>
+              <a:t>through the app</a:t>
             </a:r>
             <a:endParaRPr lang="en-US" dirty="0">
               <a:solidFill>
@@ -6308,7 +6300,12 @@
             <p:ph idx="1"/>
           </p:nvPr>
         </p:nvSpPr>
-        <p:spPr/>
+        <p:spPr>
+          <a:xfrm>
+            <a:off x="677333" y="2160589"/>
+            <a:ext cx="8864600" cy="2834744"/>
+          </a:xfrm>
+        </p:spPr>
         <p:txBody>
           <a:bodyPr>
             <a:normAutofit/>
@@ -6319,7 +6316,7 @@
               <a:buNone/>
             </a:pPr>
             <a:r>
-              <a:rPr lang="en-US" sz="2400" b="1" dirty="0">
+              <a:rPr lang="en-US" sz="2000" b="1" dirty="0">
                 <a:solidFill>
                   <a:schemeClr val="accent1"/>
                 </a:solidFill>
@@ -6328,7 +6325,7 @@
               </a:rPr>
               <a:t>Green Zone project help prevent the spread of coronavirus. </a:t>
             </a:r>
-            <a:endParaRPr lang="en-US" sz="2400" b="1" dirty="0" smtClean="0">
+            <a:endParaRPr lang="en-US" sz="2000" b="1" dirty="0" smtClean="0">
               <a:solidFill>
                 <a:schemeClr val="accent1"/>
               </a:solidFill>
@@ -6341,15 +6338,15 @@
               <a:buNone/>
             </a:pPr>
             <a:r>
-              <a:rPr lang="en-US" sz="2400" dirty="0" smtClean="0"/>
+              <a:rPr lang="en-US" sz="2000" dirty="0" smtClean="0"/>
               <a:t>The </a:t>
             </a:r>
             <a:r>
-              <a:rPr lang="en-US" sz="2400" dirty="0"/>
+              <a:rPr lang="en-US" sz="2000" dirty="0"/>
               <a:t>people's awareness is also a very important part</a:t>
             </a:r>
             <a:r>
-              <a:rPr lang="en-US" sz="2400" dirty="0" smtClean="0"/>
+              <a:rPr lang="en-US" sz="2000" dirty="0" smtClean="0"/>
               <a:t>.</a:t>
             </a:r>
           </a:p>
@@ -6358,15 +6355,15 @@
               <a:buNone/>
             </a:pPr>
             <a:r>
-              <a:rPr lang="en-US" sz="2400" dirty="0" smtClean="0"/>
+              <a:rPr lang="en-US" sz="2000" dirty="0" smtClean="0"/>
               <a:t>The </a:t>
             </a:r>
             <a:r>
-              <a:rPr lang="en-US" sz="2400" dirty="0"/>
+              <a:rPr lang="en-US" sz="2000" dirty="0"/>
               <a:t>majority of users decided to use the application and recommend it to others</a:t>
             </a:r>
             <a:r>
-              <a:rPr lang="en-US" sz="2400" dirty="0" smtClean="0"/>
+              <a:rPr lang="en-US" sz="2000" dirty="0" smtClean="0"/>
               <a:t>.</a:t>
             </a:r>
           </a:p>
@@ -6375,22 +6372,22 @@
               <a:buNone/>
             </a:pPr>
             <a:r>
-              <a:rPr lang="en-US" sz="2400" dirty="0" smtClean="0"/>
+              <a:rPr lang="en-US" sz="2000" dirty="0" smtClean="0"/>
               <a:t>Till </a:t>
             </a:r>
             <a:r>
-              <a:rPr lang="en-US" sz="2400" dirty="0"/>
+              <a:rPr lang="en-US" sz="2000" dirty="0"/>
               <a:t>the time of this report, Vietnam had no new cases in the community for </a:t>
             </a:r>
             <a:r>
-              <a:rPr lang="en-US" sz="2400" dirty="0" smtClean="0"/>
+              <a:rPr lang="en-US" sz="2000" dirty="0" smtClean="0"/>
               <a:t>65 </a:t>
             </a:r>
             <a:r>
-              <a:rPr lang="en-US" sz="2400" dirty="0"/>
+              <a:rPr lang="en-US" sz="2000" dirty="0"/>
               <a:t>days.</a:t>
             </a:r>
-            <a:endParaRPr lang="en-US" sz="2400" b="1" dirty="0">
+            <a:endParaRPr lang="en-US" sz="2000" b="1" dirty="0">
               <a:solidFill>
                 <a:schemeClr val="accent1"/>
               </a:solidFill>
@@ -6400,6 +6397,30 @@
           </a:p>
         </p:txBody>
       </p:sp>
+      <p:pic>
+        <p:nvPicPr>
+          <p:cNvPr id="4" name="Picture 3"/>
+          <p:cNvPicPr>
+            <a:picLocks noChangeAspect="1"/>
+          </p:cNvPicPr>
+          <p:nvPr/>
+        </p:nvPicPr>
+        <p:blipFill>
+          <a:blip r:embed="rId2"/>
+          <a:stretch>
+            <a:fillRect/>
+          </a:stretch>
+        </p:blipFill>
+        <p:spPr>
+          <a:xfrm>
+            <a:off x="2216148" y="4157134"/>
+            <a:ext cx="4628847" cy="2492456"/>
+          </a:xfrm>
+          <a:prstGeom prst="rect">
+            <a:avLst/>
+          </a:prstGeom>
+        </p:spPr>
+      </p:pic>
     </p:spTree>
     <p:extLst>
       <p:ext uri="{BB962C8B-B14F-4D97-AF65-F5344CB8AC3E}">
@@ -6447,72 +6468,70 @@
             <p:ph type="title"/>
           </p:nvPr>
         </p:nvSpPr>
-        <p:spPr/>
-        <p:txBody>
-          <a:bodyPr>
-            <a:normAutofit/>
-          </a:bodyPr>
-          <a:lstStyle/>
-          <a:p>
-            <a:pPr algn="ctr"/>
-            <a:r>
-              <a:rPr lang="en-US" sz="4400" b="1" dirty="0" smtClean="0">
-                <a:latin typeface="Times New Roman" panose="02020603050405020304" pitchFamily="18" charset="0"/>
-                <a:cs typeface="Times New Roman" panose="02020603050405020304" pitchFamily="18" charset="0"/>
-              </a:rPr>
-              <a:t>Conclusion</a:t>
-            </a:r>
-            <a:endParaRPr lang="en-US" sz="4400" b="1" dirty="0">
-              <a:latin typeface="Times New Roman" panose="02020603050405020304" pitchFamily="18" charset="0"/>
-              <a:cs typeface="Times New Roman" panose="02020603050405020304" pitchFamily="18" charset="0"/>
-            </a:endParaRPr>
-          </a:p>
-        </p:txBody>
-      </p:sp>
-      <p:sp>
-        <p:nvSpPr>
-          <p:cNvPr id="3" name="Content Placeholder 2"/>
-          <p:cNvSpPr>
-            <a:spLocks noGrp="1"/>
-          </p:cNvSpPr>
-          <p:nvPr>
-            <p:ph idx="1"/>
-          </p:nvPr>
-        </p:nvSpPr>
         <p:spPr>
           <a:xfrm>
-            <a:off x="677334" y="1670732"/>
-            <a:ext cx="8596668" cy="3880773"/>
+            <a:off x="-1043401" y="2047701"/>
+            <a:ext cx="8596668" cy="1320800"/>
           </a:xfrm>
         </p:spPr>
         <p:txBody>
           <a:bodyPr/>
           <a:lstStyle/>
           <a:p>
-            <a:pPr marL="0" indent="0">
-              <a:buNone/>
-            </a:pPr>
             <a:r>
               <a:rPr lang="en-US" dirty="0" smtClean="0"/>
-              <a:t>After this project</a:t>
-            </a:r>
-          </a:p>
-          <a:p>
-            <a:pPr marL="0" indent="0">
-              <a:buNone/>
-            </a:pPr>
-            <a:r>
+              <a:t>					</a:t>
+            </a:r>
+            <a:br>
               <a:rPr lang="en-US" dirty="0" smtClean="0"/>
-              <a:t>I have study more many skills like how to implement a project. </a:t>
+            </a:br>
+            <a:r>
+              <a:rPr lang="en-US" dirty="0"/>
+              <a:t>	</a:t>
+            </a:r>
+            <a:r>
+              <a:rPr lang="en-US" dirty="0" smtClean="0"/>
+              <a:t>			Thank for listening!</a:t>
             </a:r>
             <a:endParaRPr lang="en-US" dirty="0"/>
           </a:p>
         </p:txBody>
       </p:sp>
+      <p:pic>
+        <p:nvPicPr>
+          <p:cNvPr id="4" name="ezgif.com-gif-to-mp4">
+            <a:hlinkClick r:id="" action="ppaction://media"/>
+          </p:cNvPr>
+          <p:cNvPicPr>
+            <a:picLocks noGrp="1" noChangeAspect="1"/>
+          </p:cNvPicPr>
+          <p:nvPr>
+            <p:ph idx="1"/>
+            <a:videoFile r:link="rId2"/>
+            <p:extLst>
+              <p:ext uri="{DAA4B4D4-6D71-4841-9C94-3DE7FCFB9230}">
+                <p14:media xmlns:p14="http://schemas.microsoft.com/office/powerpoint/2010/main" r:embed="rId1"/>
+              </p:ext>
+            </p:extLst>
+          </p:nvPr>
+        </p:nvPicPr>
+        <p:blipFill>
+          <a:blip r:embed="rId4"/>
+          <a:stretch>
+            <a:fillRect/>
+          </a:stretch>
+        </p:blipFill>
+        <p:spPr>
+          <a:xfrm>
+            <a:off x="2509173" y="483968"/>
+            <a:ext cx="4731212" cy="4685221"/>
+          </a:xfrm>
+        </p:spPr>
+      </p:pic>
     </p:spTree>
     <p:extLst>
       <p:ext uri="{BB962C8B-B14F-4D97-AF65-F5344CB8AC3E}">
-        <p14:creationId xmlns:p14="http://schemas.microsoft.com/office/powerpoint/2010/main" val="291657961"/>
+        <p14:creationId xmlns:p14="http://schemas.microsoft.com/office/powerpoint/2010/main" val="4245599773"/>
       </p:ext>
     </p:extLst>
   </p:cSld>
@@ -6522,78 +6541,83 @@
   <p:timing>
     <p:tnLst>
       <p:par>
-        <p:cTn id="1" dur="indefinite" restart="never" nodeType="tmRoot"/>
+        <p:cTn id="1" dur="indefinite" restart="never" nodeType="tmRoot">
+          <p:childTnLst>
+            <p:seq concurrent="1" nextAc="seek">
+              <p:cTn id="2" restart="whenNotActive" fill="hold" evtFilter="cancelBubble" nodeType="interactiveSeq">
+                <p:stCondLst>
+                  <p:cond evt="onClick" delay="0">
+                    <p:tgtEl>
+                      <p:spTgt spid="4"/>
+                    </p:tgtEl>
+                  </p:cond>
+                </p:stCondLst>
+                <p:endSync evt="end" delay="0">
+                  <p:rtn val="all"/>
+                </p:endSync>
+                <p:childTnLst>
+                  <p:par>
+                    <p:cTn id="3" fill="hold">
+                      <p:stCondLst>
+                        <p:cond delay="0"/>
+                      </p:stCondLst>
+                      <p:childTnLst>
+                        <p:par>
+                          <p:cTn id="4" fill="hold">
+                            <p:stCondLst>
+                              <p:cond delay="0"/>
+                            </p:stCondLst>
+                            <p:childTnLst>
+                              <p:par>
+                                <p:cTn id="5" presetID="2" presetClass="mediacall" presetSubtype="0" fill="hold" nodeType="clickEffect">
+                                  <p:stCondLst>
+                                    <p:cond delay="0"/>
+                                  </p:stCondLst>
+                                  <p:childTnLst>
+                                    <p:cmd type="call" cmd="togglePause">
+                                      <p:cBhvr>
+                                        <p:cTn id="6" dur="1" fill="hold"/>
+                                        <p:tgtEl>
+                                          <p:spTgt spid="4"/>
+                                        </p:tgtEl>
+                                      </p:cBhvr>
+                                    </p:cmd>
+                                  </p:childTnLst>
+                                </p:cTn>
+                              </p:par>
+                            </p:childTnLst>
+                          </p:cTn>
+                        </p:par>
+                      </p:childTnLst>
+                    </p:cTn>
+                  </p:par>
+                </p:childTnLst>
+              </p:cTn>
+              <p:nextCondLst>
+                <p:cond evt="onClick" delay="0">
+                  <p:tgtEl>
+                    <p:spTgt spid="4"/>
+                  </p:tgtEl>
+                </p:cond>
+              </p:nextCondLst>
+            </p:seq>
+            <p:video>
+              <p:cMediaNode vol="80000">
+                <p:cTn id="7" fill="hold" display="0">
+                  <p:stCondLst>
+                    <p:cond delay="indefinite"/>
+                  </p:stCondLst>
+                </p:cTn>
+                <p:tgtEl>
+                  <p:spTgt spid="4"/>
+                </p:tgtEl>
+              </p:cMediaNode>
+            </p:video>
+          </p:childTnLst>
+        </p:cTn>
       </p:par>
     </p:tnLst>
   </p:timing>
-</p:sld>
-</file>
-
-<file path=ppt/slides/slide13.xml><?xml version="1.0" encoding="utf-8"?>
-<p:sld xmlns:a="http://schemas.openxmlformats.org/drawingml/2006/main" xmlns:r="http://schemas.openxmlformats.org/officeDocument/2006/relationships" xmlns:p="http://schemas.openxmlformats.org/presentationml/2006/main">
-  <p:cSld>
-    <p:spTree>
-      <p:nvGrpSpPr>
-        <p:cNvPr id="1" name=""/>
-        <p:cNvGrpSpPr/>
-        <p:nvPr/>
-      </p:nvGrpSpPr>
-      <p:grpSpPr>
-        <a:xfrm>
-          <a:off x="0" y="0"/>
-          <a:ext cx="0" cy="0"/>
-          <a:chOff x="0" y="0"/>
-          <a:chExt cx="0" cy="0"/>
-        </a:xfrm>
-      </p:grpSpPr>
-      <p:sp>
-        <p:nvSpPr>
-          <p:cNvPr id="2" name="Title 1"/>
-          <p:cNvSpPr>
-            <a:spLocks noGrp="1"/>
-          </p:cNvSpPr>
-          <p:nvPr>
-            <p:ph type="title"/>
-          </p:nvPr>
-        </p:nvSpPr>
-        <p:spPr/>
-        <p:txBody>
-          <a:bodyPr/>
-          <a:lstStyle/>
-          <a:p>
-            <a:endParaRPr lang="en-US"/>
-          </a:p>
-        </p:txBody>
-      </p:sp>
-      <p:sp>
-        <p:nvSpPr>
-          <p:cNvPr id="3" name="Content Placeholder 2"/>
-          <p:cNvSpPr>
-            <a:spLocks noGrp="1"/>
-          </p:cNvSpPr>
-          <p:nvPr>
-            <p:ph idx="1"/>
-          </p:nvPr>
-        </p:nvSpPr>
-        <p:spPr/>
-        <p:txBody>
-          <a:bodyPr/>
-          <a:lstStyle/>
-          <a:p>
-            <a:endParaRPr lang="en-US"/>
-          </a:p>
-        </p:txBody>
-      </p:sp>
-    </p:spTree>
-    <p:extLst>
-      <p:ext uri="{BB962C8B-B14F-4D97-AF65-F5344CB8AC3E}">
-        <p14:creationId xmlns:p14="http://schemas.microsoft.com/office/powerpoint/2010/main" val="4020997106"/>
-      </p:ext>
-    </p:extLst>
-  </p:cSld>
-  <p:clrMapOvr>
-    <a:masterClrMapping/>
-  </p:clrMapOvr>
 </p:sld>
 </file>
 
